--- a/309 - Onward, Christian Soldiers.pptx
+++ b/309 - Onward, Christian Soldiers.pptx
@@ -6,13 +6,9 @@
   </p:sldMasterIdLst>
   <p:sldIdLst>
     <p:sldId id="256" r:id="rId2"/>
-    <p:sldId id="257" r:id="rId3"/>
-    <p:sldId id="258" r:id="rId4"/>
-    <p:sldId id="259" r:id="rId5"/>
-    <p:sldId id="260" r:id="rId6"/>
-    <p:sldId id="261" r:id="rId7"/>
-    <p:sldId id="262" r:id="rId8"/>
-    <p:sldId id="263" r:id="rId9"/>
+    <p:sldId id="258" r:id="rId3"/>
+    <p:sldId id="260" r:id="rId4"/>
+    <p:sldId id="262" r:id="rId5"/>
   </p:sldIdLst>
   <p:sldSz cx="12192000" cy="6858000"/>
   <p:notesSz cx="6858000" cy="9144000"/>
@@ -119,10 +115,6 @@
 </p:presentation>
 </file>
 
-<file path=ppt/revisionInfo.xml><?xml version="1.0" encoding="utf-8"?>
-<p1510:revInfo xmlns:a="http://schemas.openxmlformats.org/drawingml/2006/main" xmlns:r="http://schemas.openxmlformats.org/officeDocument/2006/relationships" xmlns:p1510="http://schemas.microsoft.com/office/powerpoint/2015/10/main"/>
-</file>
-
 <file path=ppt/slideLayouts/slideLayout1.xml><?xml version="1.0" encoding="utf-8"?>
 <p:sldLayout xmlns:a="http://schemas.openxmlformats.org/drawingml/2006/main" xmlns:r="http://schemas.openxmlformats.org/officeDocument/2006/relationships" xmlns:p="http://schemas.openxmlformats.org/presentationml/2006/main" type="title" preserve="1">
   <p:cSld name="Title Slide">
@@ -252,7 +244,7 @@
           <a:p>
             <a:fld id="{32F7251A-AE54-443C-B8FE-5F636E835EBF}" type="datetimeFigureOut">
               <a:rPr lang="en-US" smtClean="0"/>
-              <a:t>6/13/2017</a:t>
+              <a:t>8/30/2020</a:t>
             </a:fld>
             <a:endParaRPr lang="en-US"/>
           </a:p>
@@ -420,7 +412,7 @@
           <a:p>
             <a:fld id="{32F7251A-AE54-443C-B8FE-5F636E835EBF}" type="datetimeFigureOut">
               <a:rPr lang="en-US" smtClean="0"/>
-              <a:t>6/13/2017</a:t>
+              <a:t>8/30/2020</a:t>
             </a:fld>
             <a:endParaRPr lang="en-US"/>
           </a:p>
@@ -598,7 +590,7 @@
           <a:p>
             <a:fld id="{32F7251A-AE54-443C-B8FE-5F636E835EBF}" type="datetimeFigureOut">
               <a:rPr lang="en-US" smtClean="0"/>
-              <a:t>6/13/2017</a:t>
+              <a:t>8/30/2020</a:t>
             </a:fld>
             <a:endParaRPr lang="en-US"/>
           </a:p>
@@ -766,7 +758,7 @@
           <a:p>
             <a:fld id="{32F7251A-AE54-443C-B8FE-5F636E835EBF}" type="datetimeFigureOut">
               <a:rPr lang="en-US" smtClean="0"/>
-              <a:t>6/13/2017</a:t>
+              <a:t>8/30/2020</a:t>
             </a:fld>
             <a:endParaRPr lang="en-US"/>
           </a:p>
@@ -1011,7 +1003,7 @@
           <a:p>
             <a:fld id="{32F7251A-AE54-443C-B8FE-5F636E835EBF}" type="datetimeFigureOut">
               <a:rPr lang="en-US" smtClean="0"/>
-              <a:t>6/13/2017</a:t>
+              <a:t>8/30/2020</a:t>
             </a:fld>
             <a:endParaRPr lang="en-US"/>
           </a:p>
@@ -1240,7 +1232,7 @@
           <a:p>
             <a:fld id="{32F7251A-AE54-443C-B8FE-5F636E835EBF}" type="datetimeFigureOut">
               <a:rPr lang="en-US" smtClean="0"/>
-              <a:t>6/13/2017</a:t>
+              <a:t>8/30/2020</a:t>
             </a:fld>
             <a:endParaRPr lang="en-US"/>
           </a:p>
@@ -1604,7 +1596,7 @@
           <a:p>
             <a:fld id="{32F7251A-AE54-443C-B8FE-5F636E835EBF}" type="datetimeFigureOut">
               <a:rPr lang="en-US" smtClean="0"/>
-              <a:t>6/13/2017</a:t>
+              <a:t>8/30/2020</a:t>
             </a:fld>
             <a:endParaRPr lang="en-US"/>
           </a:p>
@@ -1721,7 +1713,7 @@
           <a:p>
             <a:fld id="{32F7251A-AE54-443C-B8FE-5F636E835EBF}" type="datetimeFigureOut">
               <a:rPr lang="en-US" smtClean="0"/>
-              <a:t>6/13/2017</a:t>
+              <a:t>8/30/2020</a:t>
             </a:fld>
             <a:endParaRPr lang="en-US"/>
           </a:p>
@@ -1816,7 +1808,7 @@
           <a:p>
             <a:fld id="{32F7251A-AE54-443C-B8FE-5F636E835EBF}" type="datetimeFigureOut">
               <a:rPr lang="en-US" smtClean="0"/>
-              <a:t>6/13/2017</a:t>
+              <a:t>8/30/2020</a:t>
             </a:fld>
             <a:endParaRPr lang="en-US"/>
           </a:p>
@@ -2091,7 +2083,7 @@
           <a:p>
             <a:fld id="{32F7251A-AE54-443C-B8FE-5F636E835EBF}" type="datetimeFigureOut">
               <a:rPr lang="en-US" smtClean="0"/>
-              <a:t>6/13/2017</a:t>
+              <a:t>8/30/2020</a:t>
             </a:fld>
             <a:endParaRPr lang="en-US"/>
           </a:p>
@@ -2343,7 +2335,7 @@
           <a:p>
             <a:fld id="{32F7251A-AE54-443C-B8FE-5F636E835EBF}" type="datetimeFigureOut">
               <a:rPr lang="en-US" smtClean="0"/>
-              <a:t>6/13/2017</a:t>
+              <a:t>8/30/2020</a:t>
             </a:fld>
             <a:endParaRPr lang="en-US"/>
           </a:p>
@@ -2410,7 +2402,9 @@
     <p:bg>
       <p:bgPr>
         <a:solidFill>
-          <a:srgbClr val="333333"/>
+          <a:schemeClr val="bg1">
+            <a:lumMod val="10000"/>
+          </a:schemeClr>
         </a:solidFill>
         <a:effectLst/>
       </p:bgPr>
@@ -2557,7 +2551,7 @@
           <a:p>
             <a:fld id="{32F7251A-AE54-443C-B8FE-5F636E835EBF}" type="datetimeFigureOut">
               <a:rPr lang="en-US" smtClean="0"/>
-              <a:t>6/13/2017</a:t>
+              <a:t>8/30/2020</a:t>
             </a:fld>
             <a:endParaRPr lang="en-US"/>
           </a:p>
@@ -3027,8 +3021,8 @@
         </p:nvSpPr>
         <p:spPr>
           <a:xfrm>
-            <a:off x="0" y="5804209"/>
-            <a:ext cx="12192000" cy="830997"/>
+            <a:off x="0" y="5927320"/>
+            <a:ext cx="12192000" cy="584775"/>
           </a:xfrm>
           <a:prstGeom prst="rect">
             <a:avLst/>
@@ -3043,10 +3037,12 @@
           <a:p>
             <a:pPr algn="ctr"/>
             <a:r>
-              <a:rPr lang="en-US" sz="4800" dirty="0">
+              <a:rPr lang="en-US" sz="3200" u="sng" dirty="0">
                 <a:solidFill>
                   <a:schemeClr val="bg1"/>
                 </a:solidFill>
+                <a:latin typeface="Assistant SemiBold" panose="00000700000000000000" pitchFamily="2" charset="-79"/>
+                <a:cs typeface="Assistant SemiBold" panose="00000700000000000000" pitchFamily="2" charset="-79"/>
               </a:rPr>
               <a:t>“Onward, Christian Soldiers!”</a:t>
             </a:r>
@@ -3061,8 +3057,8 @@
         </p:nvSpPr>
         <p:spPr>
           <a:xfrm>
-            <a:off x="0" y="248013"/>
-            <a:ext cx="12192000" cy="5078313"/>
+            <a:off x="0" y="1187750"/>
+            <a:ext cx="12192000" cy="3539430"/>
           </a:xfrm>
           <a:prstGeom prst="rect">
             <a:avLst/>
@@ -3077,98 +3073,100 @@
           <a:p>
             <a:pPr algn="ctr"/>
             <a:r>
-              <a:rPr lang="en-US" sz="3600" dirty="0">
+              <a:rPr lang="en-US" sz="2800" spc="50" dirty="0">
                 <a:solidFill>
                   <a:schemeClr val="bg1"/>
                 </a:solidFill>
+                <a:latin typeface="Assistant" panose="00000500000000000000" pitchFamily="2" charset="-79"/>
+                <a:cs typeface="Assistant" panose="00000500000000000000" pitchFamily="2" charset="-79"/>
               </a:rPr>
-              <a:t>Onward, Christian soldiers!</a:t>
+              <a:t>Onward, Christian soldiers! Marching as to war,</a:t>
             </a:r>
           </a:p>
           <a:p>
             <a:pPr algn="ctr"/>
             <a:r>
-              <a:rPr lang="en-US" sz="3600" dirty="0">
+              <a:rPr lang="en-US" sz="2800" spc="50" dirty="0">
                 <a:solidFill>
                   <a:schemeClr val="bg1"/>
                 </a:solidFill>
+                <a:latin typeface="Assistant" panose="00000500000000000000" pitchFamily="2" charset="-79"/>
+                <a:cs typeface="Assistant" panose="00000500000000000000" pitchFamily="2" charset="-79"/>
               </a:rPr>
-              <a:t>Marching as to war,</a:t>
+              <a:t>With the cross of Jesus, going on before;</a:t>
             </a:r>
           </a:p>
           <a:p>
             <a:pPr algn="ctr"/>
             <a:r>
-              <a:rPr lang="en-US" sz="3600" dirty="0">
+              <a:rPr lang="en-US" sz="2800" spc="50" dirty="0">
                 <a:solidFill>
                   <a:schemeClr val="bg1"/>
                 </a:solidFill>
+                <a:latin typeface="Assistant" panose="00000500000000000000" pitchFamily="2" charset="-79"/>
+                <a:cs typeface="Assistant" panose="00000500000000000000" pitchFamily="2" charset="-79"/>
               </a:rPr>
-              <a:t>With the cross of Jesus</a:t>
+              <a:t>Christ, the royal Master, leads against the foe;</a:t>
             </a:r>
           </a:p>
           <a:p>
             <a:pPr algn="ctr"/>
             <a:r>
-              <a:rPr lang="en-US" sz="3600" dirty="0">
+              <a:rPr lang="en-US" sz="2800" spc="50" dirty="0">
                 <a:solidFill>
                   <a:schemeClr val="bg1"/>
                 </a:solidFill>
+                <a:latin typeface="Assistant" panose="00000500000000000000" pitchFamily="2" charset="-79"/>
+                <a:cs typeface="Assistant" panose="00000500000000000000" pitchFamily="2" charset="-79"/>
               </a:rPr>
-              <a:t>Going on before;</a:t>
+              <a:t>Forward into battle, see His banners go!</a:t>
             </a:r>
           </a:p>
           <a:p>
             <a:pPr algn="ctr"/>
-            <a:endParaRPr lang="en-US" sz="3600" dirty="0">
+            <a:endParaRPr lang="en-US" sz="2800" spc="50" dirty="0">
               <a:solidFill>
                 <a:schemeClr val="bg1"/>
               </a:solidFill>
+              <a:latin typeface="Assistant" panose="00000500000000000000" pitchFamily="2" charset="-79"/>
+              <a:cs typeface="Assistant" panose="00000500000000000000" pitchFamily="2" charset="-79"/>
             </a:endParaRPr>
           </a:p>
           <a:p>
             <a:pPr algn="ctr"/>
             <a:r>
-              <a:rPr lang="en-US" sz="3600" dirty="0">
+              <a:rPr lang="en-US" sz="2800" spc="50" dirty="0">
                 <a:solidFill>
                   <a:schemeClr val="bg1"/>
                 </a:solidFill>
+                <a:latin typeface="Assistant" panose="00000500000000000000" pitchFamily="2" charset="-79"/>
+                <a:cs typeface="Assistant" panose="00000500000000000000" pitchFamily="2" charset="-79"/>
               </a:rPr>
-              <a:t>Christ, the royal Master</a:t>
+              <a:t>Onward, Christian soldiers! Marching as to war,</a:t>
             </a:r>
           </a:p>
           <a:p>
             <a:pPr algn="ctr"/>
             <a:r>
-              <a:rPr lang="en-US" sz="3600" dirty="0">
+              <a:rPr lang="en-US" sz="2800" spc="50" dirty="0">
                 <a:solidFill>
                   <a:schemeClr val="bg1"/>
                 </a:solidFill>
+                <a:latin typeface="Assistant" panose="00000500000000000000" pitchFamily="2" charset="-79"/>
+                <a:cs typeface="Assistant" panose="00000500000000000000" pitchFamily="2" charset="-79"/>
               </a:rPr>
-              <a:t>Leads against the foe;</a:t>
+              <a:t>With the cross of Jesus, going on before.</a:t>
             </a:r>
           </a:p>
           <a:p>
             <a:pPr algn="ctr"/>
-            <a:r>
-              <a:rPr lang="en-US" sz="3600" dirty="0">
-                <a:solidFill>
-                  <a:schemeClr val="bg1"/>
-                </a:solidFill>
-              </a:rPr>
-              <a:t>Forward into battle,</a:t>
-            </a:r>
-          </a:p>
-          <a:p>
-            <a:pPr algn="ctr"/>
-            <a:r>
-              <a:rPr lang="en-US" sz="3600" dirty="0">
-                <a:solidFill>
-                  <a:schemeClr val="bg1"/>
-                </a:solidFill>
-              </a:rPr>
-              <a:t>See His banners go!</a:t>
-            </a:r>
+            <a:endParaRPr lang="en-US" sz="2800" spc="50" dirty="0">
+              <a:solidFill>
+                <a:schemeClr val="bg1"/>
+              </a:solidFill>
+              <a:latin typeface="Assistant" panose="00000500000000000000" pitchFamily="2" charset="-79"/>
+              <a:cs typeface="Assistant" panose="00000500000000000000" pitchFamily="2" charset="-79"/>
+            </a:endParaRPr>
           </a:p>
         </p:txBody>
       </p:sp>
@@ -3267,8 +3265,8 @@
         </p:nvSpPr>
         <p:spPr>
           <a:xfrm>
-            <a:off x="0" y="5804209"/>
-            <a:ext cx="12192000" cy="830997"/>
+            <a:off x="0" y="5927320"/>
+            <a:ext cx="12192000" cy="584775"/>
           </a:xfrm>
           <a:prstGeom prst="rect">
             <a:avLst/>
@@ -3283,10 +3281,12 @@
           <a:p>
             <a:pPr algn="ctr"/>
             <a:r>
-              <a:rPr lang="en-US" sz="4800" dirty="0">
+              <a:rPr lang="en-US" sz="3200" u="sng" dirty="0">
                 <a:solidFill>
                   <a:schemeClr val="bg1"/>
                 </a:solidFill>
+                <a:latin typeface="Assistant SemiBold" panose="00000700000000000000" pitchFamily="2" charset="-79"/>
+                <a:cs typeface="Assistant SemiBold" panose="00000700000000000000" pitchFamily="2" charset="-79"/>
               </a:rPr>
               <a:t>“Onward, Christian Soldiers!”</a:t>
             </a:r>
@@ -3301,8 +3301,8 @@
         </p:nvSpPr>
         <p:spPr>
           <a:xfrm>
-            <a:off x="0" y="1581864"/>
-            <a:ext cx="12192000" cy="2308324"/>
+            <a:off x="0" y="1124998"/>
+            <a:ext cx="12192000" cy="3539430"/>
           </a:xfrm>
           <a:prstGeom prst="rect">
             <a:avLst/>
@@ -3317,53 +3317,107 @@
           <a:p>
             <a:pPr algn="ctr"/>
             <a:r>
-              <a:rPr lang="en-US" sz="3600" dirty="0">
+              <a:rPr lang="en-US" sz="2800" spc="50" dirty="0">
                 <a:solidFill>
                   <a:schemeClr val="bg1"/>
                 </a:solidFill>
+                <a:latin typeface="Assistant" panose="00000500000000000000" pitchFamily="2" charset="-79"/>
+                <a:cs typeface="Assistant" panose="00000500000000000000" pitchFamily="2" charset="-79"/>
               </a:rPr>
-              <a:t>Onward, Christian soldiers!</a:t>
+              <a:t>Like a mighty army moves the church of God;</a:t>
             </a:r>
           </a:p>
           <a:p>
             <a:pPr algn="ctr"/>
             <a:r>
-              <a:rPr lang="en-US" sz="3600" dirty="0">
+              <a:rPr lang="en-US" sz="2800" spc="50" dirty="0">
                 <a:solidFill>
                   <a:schemeClr val="bg1"/>
                 </a:solidFill>
+                <a:latin typeface="Assistant" panose="00000500000000000000" pitchFamily="2" charset="-79"/>
+                <a:cs typeface="Assistant" panose="00000500000000000000" pitchFamily="2" charset="-79"/>
               </a:rPr>
-              <a:t>Marching as to war,</a:t>
+              <a:t>Brothers, we are treading where the saints have trod.</a:t>
             </a:r>
           </a:p>
           <a:p>
             <a:pPr algn="ctr"/>
             <a:r>
-              <a:rPr lang="en-US" sz="3600" dirty="0">
+              <a:rPr lang="en-US" sz="2800" spc="50" dirty="0">
                 <a:solidFill>
                   <a:schemeClr val="bg1"/>
                 </a:solidFill>
+                <a:latin typeface="Assistant" panose="00000500000000000000" pitchFamily="2" charset="-79"/>
+                <a:cs typeface="Assistant" panose="00000500000000000000" pitchFamily="2" charset="-79"/>
               </a:rPr>
-              <a:t>With the cross of Jesus</a:t>
+              <a:t>We are not divided, all one body we,</a:t>
             </a:r>
           </a:p>
           <a:p>
             <a:pPr algn="ctr"/>
             <a:r>
-              <a:rPr lang="en-US" sz="3600" dirty="0">
+              <a:rPr lang="en-US" sz="2800" spc="50" dirty="0">
                 <a:solidFill>
                   <a:schemeClr val="bg1"/>
                 </a:solidFill>
+                <a:latin typeface="Assistant" panose="00000500000000000000" pitchFamily="2" charset="-79"/>
+                <a:cs typeface="Assistant" panose="00000500000000000000" pitchFamily="2" charset="-79"/>
               </a:rPr>
-              <a:t>Going on before.</a:t>
-            </a:r>
+              <a:t>One in hope and doctrine, one in charity.</a:t>
+            </a:r>
+          </a:p>
+          <a:p>
+            <a:pPr algn="ctr"/>
+            <a:endParaRPr lang="en-US" sz="2800" spc="50" dirty="0">
+              <a:solidFill>
+                <a:schemeClr val="bg1"/>
+              </a:solidFill>
+              <a:latin typeface="Assistant" panose="00000500000000000000" pitchFamily="2" charset="-79"/>
+              <a:cs typeface="Assistant" panose="00000500000000000000" pitchFamily="2" charset="-79"/>
+            </a:endParaRPr>
+          </a:p>
+          <a:p>
+            <a:pPr algn="ctr"/>
+            <a:r>
+              <a:rPr lang="en-US" sz="2800" spc="50" dirty="0">
+                <a:solidFill>
+                  <a:schemeClr val="bg1"/>
+                </a:solidFill>
+                <a:latin typeface="Assistant" panose="00000500000000000000" pitchFamily="2" charset="-79"/>
+                <a:cs typeface="Assistant" panose="00000500000000000000" pitchFamily="2" charset="-79"/>
+              </a:rPr>
+              <a:t>Onward, Christian soldiers! Marching as to war,</a:t>
+            </a:r>
+          </a:p>
+          <a:p>
+            <a:pPr algn="ctr"/>
+            <a:r>
+              <a:rPr lang="en-US" sz="2800" spc="50" dirty="0">
+                <a:solidFill>
+                  <a:schemeClr val="bg1"/>
+                </a:solidFill>
+                <a:latin typeface="Assistant" panose="00000500000000000000" pitchFamily="2" charset="-79"/>
+                <a:cs typeface="Assistant" panose="00000500000000000000" pitchFamily="2" charset="-79"/>
+              </a:rPr>
+              <a:t>With the cross of Jesus going on before.</a:t>
+            </a:r>
+          </a:p>
+          <a:p>
+            <a:pPr algn="ctr"/>
+            <a:endParaRPr lang="en-US" sz="2800" spc="50" dirty="0">
+              <a:solidFill>
+                <a:schemeClr val="bg1"/>
+              </a:solidFill>
+              <a:latin typeface="Assistant" panose="00000500000000000000" pitchFamily="2" charset="-79"/>
+              <a:cs typeface="Assistant" panose="00000500000000000000" pitchFamily="2" charset="-79"/>
+            </a:endParaRPr>
           </a:p>
         </p:txBody>
       </p:sp>
     </p:spTree>
     <p:extLst>
       <p:ext uri="{BB962C8B-B14F-4D97-AF65-F5344CB8AC3E}">
-        <p14:creationId xmlns:p14="http://schemas.microsoft.com/office/powerpoint/2010/main" val="3183861069"/>
+        <p14:creationId xmlns:p14="http://schemas.microsoft.com/office/powerpoint/2010/main" val="4168839297"/>
       </p:ext>
     </p:extLst>
   </p:cSld>
@@ -3455,8 +3509,8 @@
         </p:nvSpPr>
         <p:spPr>
           <a:xfrm>
-            <a:off x="0" y="5804209"/>
-            <a:ext cx="12192000" cy="830997"/>
+            <a:off x="0" y="5927320"/>
+            <a:ext cx="12192000" cy="584775"/>
           </a:xfrm>
           <a:prstGeom prst="rect">
             <a:avLst/>
@@ -3471,10 +3525,12 @@
           <a:p>
             <a:pPr algn="ctr"/>
             <a:r>
-              <a:rPr lang="en-US" sz="4800" dirty="0">
+              <a:rPr lang="en-US" sz="3200" u="sng" dirty="0">
                 <a:solidFill>
                   <a:schemeClr val="bg1"/>
                 </a:solidFill>
+                <a:latin typeface="Assistant SemiBold" panose="00000700000000000000" pitchFamily="2" charset="-79"/>
+                <a:cs typeface="Assistant SemiBold" panose="00000700000000000000" pitchFamily="2" charset="-79"/>
               </a:rPr>
               <a:t>“Onward, Christian Soldiers!”</a:t>
             </a:r>
@@ -3489,8 +3545,8 @@
         </p:nvSpPr>
         <p:spPr>
           <a:xfrm>
-            <a:off x="0" y="248013"/>
-            <a:ext cx="12192000" cy="5078313"/>
+            <a:off x="0" y="1090695"/>
+            <a:ext cx="12192000" cy="3539430"/>
           </a:xfrm>
           <a:prstGeom prst="rect">
             <a:avLst/>
@@ -3505,105 +3561,107 @@
           <a:p>
             <a:pPr algn="ctr"/>
             <a:r>
-              <a:rPr lang="en-US" sz="3600" dirty="0">
+              <a:rPr lang="en-US" sz="2800" spc="50" dirty="0">
                 <a:solidFill>
                   <a:schemeClr val="bg1"/>
                 </a:solidFill>
+                <a:latin typeface="Assistant" panose="00000500000000000000" pitchFamily="2" charset="-79"/>
+                <a:cs typeface="Assistant" panose="00000500000000000000" pitchFamily="2" charset="-79"/>
               </a:rPr>
-              <a:t>Like a mighty army</a:t>
+              <a:t>Crowns and thrones may perish, kingdoms rise and wane,</a:t>
             </a:r>
           </a:p>
           <a:p>
             <a:pPr algn="ctr"/>
             <a:r>
-              <a:rPr lang="en-US" sz="3600" dirty="0">
+              <a:rPr lang="en-US" sz="2800" spc="50" dirty="0">
                 <a:solidFill>
                   <a:schemeClr val="bg1"/>
                 </a:solidFill>
+                <a:latin typeface="Assistant" panose="00000500000000000000" pitchFamily="2" charset="-79"/>
+                <a:cs typeface="Assistant" panose="00000500000000000000" pitchFamily="2" charset="-79"/>
               </a:rPr>
-              <a:t>Moves the church of God;</a:t>
+              <a:t>But the Church of Jesus, constant will remain;</a:t>
             </a:r>
           </a:p>
           <a:p>
             <a:pPr algn="ctr"/>
             <a:r>
-              <a:rPr lang="en-US" sz="3600" dirty="0">
+              <a:rPr lang="en-US" sz="2800" spc="50" dirty="0">
                 <a:solidFill>
                   <a:schemeClr val="bg1"/>
                 </a:solidFill>
+                <a:latin typeface="Assistant" panose="00000500000000000000" pitchFamily="2" charset="-79"/>
+                <a:cs typeface="Assistant" panose="00000500000000000000" pitchFamily="2" charset="-79"/>
               </a:rPr>
-              <a:t>Brothers, we  are treading</a:t>
+              <a:t>Gates of hell can never against that church prevail;</a:t>
             </a:r>
           </a:p>
           <a:p>
             <a:pPr algn="ctr"/>
             <a:r>
-              <a:rPr lang="en-US" sz="3600" dirty="0">
+              <a:rPr lang="en-US" sz="2800" spc="50" dirty="0">
                 <a:solidFill>
                   <a:schemeClr val="bg1"/>
                 </a:solidFill>
+                <a:latin typeface="Assistant" panose="00000500000000000000" pitchFamily="2" charset="-79"/>
+                <a:cs typeface="Assistant" panose="00000500000000000000" pitchFamily="2" charset="-79"/>
               </a:rPr>
-              <a:t>Where the saints have trod.</a:t>
+              <a:t>We have Christ’s own promise, and that cannot fail.</a:t>
             </a:r>
           </a:p>
           <a:p>
             <a:pPr algn="ctr"/>
-            <a:endParaRPr lang="en-US" sz="3600" dirty="0">
+            <a:endParaRPr lang="en-US" sz="2800" spc="50" dirty="0">
               <a:solidFill>
                 <a:schemeClr val="bg1"/>
               </a:solidFill>
+              <a:latin typeface="Assistant" panose="00000500000000000000" pitchFamily="2" charset="-79"/>
+              <a:cs typeface="Assistant" panose="00000500000000000000" pitchFamily="2" charset="-79"/>
             </a:endParaRPr>
           </a:p>
           <a:p>
             <a:pPr algn="ctr"/>
             <a:r>
-              <a:rPr lang="en-US" sz="3600" dirty="0">
+              <a:rPr lang="en-US" sz="2800" spc="50" dirty="0">
                 <a:solidFill>
                   <a:schemeClr val="bg1"/>
                 </a:solidFill>
+                <a:latin typeface="Assistant" panose="00000500000000000000" pitchFamily="2" charset="-79"/>
+                <a:cs typeface="Assistant" panose="00000500000000000000" pitchFamily="2" charset="-79"/>
               </a:rPr>
-              <a:t>We are not divided,</a:t>
+              <a:t>Onward, Christian soldiers! Marching as to war,</a:t>
             </a:r>
           </a:p>
           <a:p>
             <a:pPr algn="ctr"/>
             <a:r>
-              <a:rPr lang="en-US" sz="3600" dirty="0">
+              <a:rPr lang="en-US" sz="2800" spc="50" dirty="0">
                 <a:solidFill>
                   <a:schemeClr val="bg1"/>
                 </a:solidFill>
+                <a:latin typeface="Assistant" panose="00000500000000000000" pitchFamily="2" charset="-79"/>
+                <a:cs typeface="Assistant" panose="00000500000000000000" pitchFamily="2" charset="-79"/>
               </a:rPr>
-              <a:t>All one body we,</a:t>
+              <a:t>With the cross of Jesus going on before.</a:t>
             </a:r>
           </a:p>
           <a:p>
             <a:pPr algn="ctr"/>
-            <a:r>
-              <a:rPr lang="en-US" sz="3600" dirty="0">
-                <a:solidFill>
-                  <a:schemeClr val="bg1"/>
-                </a:solidFill>
-              </a:rPr>
-              <a:t>One in hope and doctrine,</a:t>
-            </a:r>
-          </a:p>
-          <a:p>
-            <a:pPr algn="ctr"/>
-            <a:r>
-              <a:rPr lang="en-US" sz="3600" dirty="0">
-                <a:solidFill>
-                  <a:schemeClr val="bg1"/>
-                </a:solidFill>
-              </a:rPr>
-              <a:t>One in charity.</a:t>
-            </a:r>
+            <a:endParaRPr lang="en-US" sz="2800" spc="50" dirty="0">
+              <a:solidFill>
+                <a:schemeClr val="bg1"/>
+              </a:solidFill>
+              <a:latin typeface="Assistant" panose="00000500000000000000" pitchFamily="2" charset="-79"/>
+              <a:cs typeface="Assistant" panose="00000500000000000000" pitchFamily="2" charset="-79"/>
+            </a:endParaRPr>
           </a:p>
         </p:txBody>
       </p:sp>
     </p:spTree>
     <p:extLst>
       <p:ext uri="{BB962C8B-B14F-4D97-AF65-F5344CB8AC3E}">
-        <p14:creationId xmlns:p14="http://schemas.microsoft.com/office/powerpoint/2010/main" val="4168839297"/>
+        <p14:creationId xmlns:p14="http://schemas.microsoft.com/office/powerpoint/2010/main" val="249679997"/>
       </p:ext>
     </p:extLst>
   </p:cSld>
@@ -3695,8 +3753,8 @@
         </p:nvSpPr>
         <p:spPr>
           <a:xfrm>
-            <a:off x="0" y="5804209"/>
-            <a:ext cx="12192000" cy="830997"/>
+            <a:off x="0" y="5927320"/>
+            <a:ext cx="12192000" cy="584775"/>
           </a:xfrm>
           <a:prstGeom prst="rect">
             <a:avLst/>
@@ -3711,10 +3769,12 @@
           <a:p>
             <a:pPr algn="ctr"/>
             <a:r>
-              <a:rPr lang="en-US" sz="4800" dirty="0">
+              <a:rPr lang="en-US" sz="3200" u="sng" dirty="0">
                 <a:solidFill>
                   <a:schemeClr val="bg1"/>
                 </a:solidFill>
+                <a:latin typeface="Assistant SemiBold" panose="00000700000000000000" pitchFamily="2" charset="-79"/>
+                <a:cs typeface="Assistant SemiBold" panose="00000700000000000000" pitchFamily="2" charset="-79"/>
               </a:rPr>
               <a:t>“Onward, Christian Soldiers!”</a:t>
             </a:r>
@@ -3729,8 +3789,8 @@
         </p:nvSpPr>
         <p:spPr>
           <a:xfrm>
-            <a:off x="0" y="1581864"/>
-            <a:ext cx="12192000" cy="2308324"/>
+            <a:off x="0" y="1063801"/>
+            <a:ext cx="12192000" cy="3539430"/>
           </a:xfrm>
           <a:prstGeom prst="rect">
             <a:avLst/>
@@ -3745,730 +3805,100 @@
           <a:p>
             <a:pPr algn="ctr"/>
             <a:r>
-              <a:rPr lang="en-US" sz="3600" dirty="0">
+              <a:rPr lang="en-US" sz="2800" spc="50" dirty="0">
                 <a:solidFill>
                   <a:schemeClr val="bg1"/>
                 </a:solidFill>
+                <a:latin typeface="Assistant" panose="00000500000000000000" pitchFamily="2" charset="-79"/>
+                <a:cs typeface="Assistant" panose="00000500000000000000" pitchFamily="2" charset="-79"/>
               </a:rPr>
-              <a:t>Onward, Christian soldiers!</a:t>
+              <a:t>Onward then, ye people! join our happy throng;</a:t>
             </a:r>
           </a:p>
           <a:p>
             <a:pPr algn="ctr"/>
             <a:r>
-              <a:rPr lang="en-US" sz="3600" dirty="0">
+              <a:rPr lang="en-US" sz="2800" spc="50" dirty="0">
                 <a:solidFill>
                   <a:schemeClr val="bg1"/>
                 </a:solidFill>
+                <a:latin typeface="Assistant" panose="00000500000000000000" pitchFamily="2" charset="-79"/>
+                <a:cs typeface="Assistant" panose="00000500000000000000" pitchFamily="2" charset="-79"/>
               </a:rPr>
-              <a:t>Marching as to war,</a:t>
+              <a:t>Blend with ours your voices in the triumph song;</a:t>
             </a:r>
           </a:p>
           <a:p>
             <a:pPr algn="ctr"/>
             <a:r>
-              <a:rPr lang="en-US" sz="3600" dirty="0">
+              <a:rPr lang="en-US" sz="2800" spc="50" dirty="0">
                 <a:solidFill>
                   <a:schemeClr val="bg1"/>
                 </a:solidFill>
+                <a:latin typeface="Assistant" panose="00000500000000000000" pitchFamily="2" charset="-79"/>
+                <a:cs typeface="Assistant" panose="00000500000000000000" pitchFamily="2" charset="-79"/>
               </a:rPr>
-              <a:t>With the cross of Jesus</a:t>
+              <a:t>Glory, laud, and honor unto Christ, the King—</a:t>
             </a:r>
           </a:p>
           <a:p>
             <a:pPr algn="ctr"/>
             <a:r>
-              <a:rPr lang="en-US" sz="3600" dirty="0">
+              <a:rPr lang="en-US" sz="2800" spc="50" dirty="0">
                 <a:solidFill>
                   <a:schemeClr val="bg1"/>
                 </a:solidFill>
+                <a:latin typeface="Assistant" panose="00000500000000000000" pitchFamily="2" charset="-79"/>
+                <a:cs typeface="Assistant" panose="00000500000000000000" pitchFamily="2" charset="-79"/>
               </a:rPr>
-              <a:t>Going on before.</a:t>
-            </a:r>
-          </a:p>
-        </p:txBody>
-      </p:sp>
-    </p:spTree>
-    <p:extLst>
-      <p:ext uri="{BB962C8B-B14F-4D97-AF65-F5344CB8AC3E}">
-        <p14:creationId xmlns:p14="http://schemas.microsoft.com/office/powerpoint/2010/main" val="97652656"/>
-      </p:ext>
-    </p:extLst>
-  </p:cSld>
-  <p:clrMapOvr>
-    <a:masterClrMapping/>
-  </p:clrMapOvr>
-</p:sld>
-</file>
-
-<file path=ppt/slides/slide5.xml><?xml version="1.0" encoding="utf-8"?>
-<p:sld xmlns:a="http://schemas.openxmlformats.org/drawingml/2006/main" xmlns:r="http://schemas.openxmlformats.org/officeDocument/2006/relationships" xmlns:p="http://schemas.openxmlformats.org/presentationml/2006/main">
-  <p:cSld>
-    <p:spTree>
-      <p:nvGrpSpPr>
-        <p:cNvPr id="1" name=""/>
-        <p:cNvGrpSpPr/>
-        <p:nvPr/>
-      </p:nvGrpSpPr>
-      <p:grpSpPr>
-        <a:xfrm>
-          <a:off x="0" y="0"/>
-          <a:ext cx="0" cy="0"/>
-          <a:chOff x="0" y="0"/>
-          <a:chExt cx="0" cy="0"/>
-        </a:xfrm>
-      </p:grpSpPr>
-      <p:sp>
-        <p:nvSpPr>
-          <p:cNvPr id="4" name="Rectangle 3"/>
-          <p:cNvSpPr/>
-          <p:nvPr/>
-        </p:nvSpPr>
-        <p:spPr>
-          <a:xfrm>
-            <a:off x="0" y="5444197"/>
-            <a:ext cx="12192000" cy="1413803"/>
-          </a:xfrm>
-          <a:prstGeom prst="rect">
-            <a:avLst/>
-          </a:prstGeom>
-          <a:gradFill flip="none" rotWithShape="1">
-            <a:gsLst>
-              <a:gs pos="0">
-                <a:srgbClr val="998675">
-                  <a:alpha val="0"/>
-                </a:srgbClr>
-              </a:gs>
-              <a:gs pos="100000">
-                <a:srgbClr val="998675"/>
-              </a:gs>
-            </a:gsLst>
-            <a:lin ang="5400000" scaled="1"/>
-            <a:tileRect/>
-          </a:gradFill>
-          <a:ln>
-            <a:noFill/>
-          </a:ln>
-        </p:spPr>
-        <p:style>
-          <a:lnRef idx="2">
-            <a:schemeClr val="accent1">
-              <a:shade val="50000"/>
-            </a:schemeClr>
-          </a:lnRef>
-          <a:fillRef idx="1">
-            <a:schemeClr val="accent1"/>
-          </a:fillRef>
-          <a:effectRef idx="0">
-            <a:schemeClr val="accent1"/>
-          </a:effectRef>
-          <a:fontRef idx="minor">
-            <a:schemeClr val="lt1"/>
-          </a:fontRef>
-        </p:style>
-        <p:txBody>
-          <a:bodyPr rtlCol="0" anchor="ctr"/>
-          <a:lstStyle/>
+              <a:t>This through countless ages men and angels sing.</a:t>
+            </a:r>
+          </a:p>
           <a:p>
             <a:pPr algn="ctr"/>
-            <a:endParaRPr lang="en-US"/>
-          </a:p>
-        </p:txBody>
-      </p:sp>
-      <p:sp>
-        <p:nvSpPr>
-          <p:cNvPr id="7" name="TextBox 6"/>
-          <p:cNvSpPr txBox="1"/>
-          <p:nvPr/>
-        </p:nvSpPr>
-        <p:spPr>
-          <a:xfrm>
-            <a:off x="0" y="5804209"/>
-            <a:ext cx="12192000" cy="830997"/>
-          </a:xfrm>
-          <a:prstGeom prst="rect">
-            <a:avLst/>
-          </a:prstGeom>
-          <a:noFill/>
-        </p:spPr>
-        <p:txBody>
-          <a:bodyPr wrap="square" rtlCol="0" anchor="ctr">
-            <a:spAutoFit/>
-          </a:bodyPr>
-          <a:lstStyle/>
+            <a:endParaRPr lang="en-US" sz="2800" spc="50" dirty="0">
+              <a:solidFill>
+                <a:schemeClr val="bg1"/>
+              </a:solidFill>
+              <a:latin typeface="Assistant" panose="00000500000000000000" pitchFamily="2" charset="-79"/>
+              <a:cs typeface="Assistant" panose="00000500000000000000" pitchFamily="2" charset="-79"/>
+            </a:endParaRPr>
+          </a:p>
           <a:p>
             <a:pPr algn="ctr"/>
             <a:r>
-              <a:rPr lang="en-US" sz="4800" dirty="0">
+              <a:rPr lang="en-US" sz="2800" spc="50" dirty="0">
                 <a:solidFill>
                   <a:schemeClr val="bg1"/>
                 </a:solidFill>
+                <a:latin typeface="Assistant" panose="00000500000000000000" pitchFamily="2" charset="-79"/>
+                <a:cs typeface="Assistant" panose="00000500000000000000" pitchFamily="2" charset="-79"/>
               </a:rPr>
-              <a:t>“Onward, Christian Soldiers!”</a:t>
-            </a:r>
-          </a:p>
-        </p:txBody>
-      </p:sp>
-      <p:sp>
-        <p:nvSpPr>
-          <p:cNvPr id="8" name="TextBox 7"/>
-          <p:cNvSpPr txBox="1"/>
-          <p:nvPr/>
-        </p:nvSpPr>
-        <p:spPr>
-          <a:xfrm>
-            <a:off x="0" y="248013"/>
-            <a:ext cx="12192000" cy="5078313"/>
-          </a:xfrm>
-          <a:prstGeom prst="rect">
-            <a:avLst/>
-          </a:prstGeom>
-          <a:noFill/>
-        </p:spPr>
-        <p:txBody>
-          <a:bodyPr wrap="square" rtlCol="0">
-            <a:spAutoFit/>
-          </a:bodyPr>
-          <a:lstStyle/>
+              <a:t>Onward, Christian soldiers! Marching as to war,</a:t>
+            </a:r>
+          </a:p>
           <a:p>
             <a:pPr algn="ctr"/>
             <a:r>
-              <a:rPr lang="en-US" sz="3600" dirty="0">
+              <a:rPr lang="en-US" sz="2800" spc="50" dirty="0">
                 <a:solidFill>
                   <a:schemeClr val="bg1"/>
                 </a:solidFill>
+                <a:latin typeface="Assistant" panose="00000500000000000000" pitchFamily="2" charset="-79"/>
+                <a:cs typeface="Assistant" panose="00000500000000000000" pitchFamily="2" charset="-79"/>
               </a:rPr>
-              <a:t>Crowns and thrones may perish,</a:t>
+              <a:t>With the cross of Jesus going on before.</a:t>
             </a:r>
           </a:p>
           <a:p>
             <a:pPr algn="ctr"/>
-            <a:r>
-              <a:rPr lang="en-US" sz="3600" dirty="0">
-                <a:solidFill>
-                  <a:schemeClr val="bg1"/>
-                </a:solidFill>
-              </a:rPr>
-              <a:t>Kingdoms rise and wane,</a:t>
-            </a:r>
-          </a:p>
-          <a:p>
-            <a:pPr algn="ctr"/>
-            <a:r>
-              <a:rPr lang="en-US" sz="3600" dirty="0">
-                <a:solidFill>
-                  <a:schemeClr val="bg1"/>
-                </a:solidFill>
-              </a:rPr>
-              <a:t>But the Church of Jesus</a:t>
-            </a:r>
-          </a:p>
-          <a:p>
-            <a:pPr algn="ctr"/>
-            <a:r>
-              <a:rPr lang="en-US" sz="3600" dirty="0">
-                <a:solidFill>
-                  <a:schemeClr val="bg1"/>
-                </a:solidFill>
-              </a:rPr>
-              <a:t>Constant will remain;</a:t>
-            </a:r>
-          </a:p>
-          <a:p>
-            <a:pPr algn="ctr"/>
-            <a:endParaRPr lang="en-US" sz="3600" dirty="0">
+            <a:endParaRPr lang="en-US" sz="2800" spc="50" dirty="0">
               <a:solidFill>
                 <a:schemeClr val="bg1"/>
               </a:solidFill>
+              <a:latin typeface="Assistant" panose="00000500000000000000" pitchFamily="2" charset="-79"/>
+              <a:cs typeface="Assistant" panose="00000500000000000000" pitchFamily="2" charset="-79"/>
             </a:endParaRPr>
-          </a:p>
-          <a:p>
-            <a:pPr algn="ctr"/>
-            <a:r>
-              <a:rPr lang="en-US" sz="3600" dirty="0">
-                <a:solidFill>
-                  <a:schemeClr val="bg1"/>
-                </a:solidFill>
-              </a:rPr>
-              <a:t>Gates of hell can never</a:t>
-            </a:r>
-          </a:p>
-          <a:p>
-            <a:pPr algn="ctr"/>
-            <a:r>
-              <a:rPr lang="en-US" sz="3600" dirty="0">
-                <a:solidFill>
-                  <a:schemeClr val="bg1"/>
-                </a:solidFill>
-              </a:rPr>
-              <a:t>Against that church prevail;</a:t>
-            </a:r>
-          </a:p>
-          <a:p>
-            <a:pPr algn="ctr"/>
-            <a:r>
-              <a:rPr lang="en-US" sz="3600" dirty="0">
-                <a:solidFill>
-                  <a:schemeClr val="bg1"/>
-                </a:solidFill>
-              </a:rPr>
-              <a:t>We have Christ’s own promise,</a:t>
-            </a:r>
-          </a:p>
-          <a:p>
-            <a:pPr algn="ctr"/>
-            <a:r>
-              <a:rPr lang="en-US" sz="3600" dirty="0">
-                <a:solidFill>
-                  <a:schemeClr val="bg1"/>
-                </a:solidFill>
-              </a:rPr>
-              <a:t>And that cannot fail.</a:t>
-            </a:r>
-          </a:p>
-        </p:txBody>
-      </p:sp>
-    </p:spTree>
-    <p:extLst>
-      <p:ext uri="{BB962C8B-B14F-4D97-AF65-F5344CB8AC3E}">
-        <p14:creationId xmlns:p14="http://schemas.microsoft.com/office/powerpoint/2010/main" val="249679997"/>
-      </p:ext>
-    </p:extLst>
-  </p:cSld>
-  <p:clrMapOvr>
-    <a:masterClrMapping/>
-  </p:clrMapOvr>
-</p:sld>
-</file>
-
-<file path=ppt/slides/slide6.xml><?xml version="1.0" encoding="utf-8"?>
-<p:sld xmlns:a="http://schemas.openxmlformats.org/drawingml/2006/main" xmlns:r="http://schemas.openxmlformats.org/officeDocument/2006/relationships" xmlns:p="http://schemas.openxmlformats.org/presentationml/2006/main">
-  <p:cSld>
-    <p:spTree>
-      <p:nvGrpSpPr>
-        <p:cNvPr id="1" name=""/>
-        <p:cNvGrpSpPr/>
-        <p:nvPr/>
-      </p:nvGrpSpPr>
-      <p:grpSpPr>
-        <a:xfrm>
-          <a:off x="0" y="0"/>
-          <a:ext cx="0" cy="0"/>
-          <a:chOff x="0" y="0"/>
-          <a:chExt cx="0" cy="0"/>
-        </a:xfrm>
-      </p:grpSpPr>
-      <p:sp>
-        <p:nvSpPr>
-          <p:cNvPr id="4" name="Rectangle 3"/>
-          <p:cNvSpPr/>
-          <p:nvPr/>
-        </p:nvSpPr>
-        <p:spPr>
-          <a:xfrm>
-            <a:off x="0" y="5444197"/>
-            <a:ext cx="12192000" cy="1413803"/>
-          </a:xfrm>
-          <a:prstGeom prst="rect">
-            <a:avLst/>
-          </a:prstGeom>
-          <a:gradFill flip="none" rotWithShape="1">
-            <a:gsLst>
-              <a:gs pos="0">
-                <a:srgbClr val="998675">
-                  <a:alpha val="0"/>
-                </a:srgbClr>
-              </a:gs>
-              <a:gs pos="100000">
-                <a:srgbClr val="998675"/>
-              </a:gs>
-            </a:gsLst>
-            <a:lin ang="5400000" scaled="1"/>
-            <a:tileRect/>
-          </a:gradFill>
-          <a:ln>
-            <a:noFill/>
-          </a:ln>
-        </p:spPr>
-        <p:style>
-          <a:lnRef idx="2">
-            <a:schemeClr val="accent1">
-              <a:shade val="50000"/>
-            </a:schemeClr>
-          </a:lnRef>
-          <a:fillRef idx="1">
-            <a:schemeClr val="accent1"/>
-          </a:fillRef>
-          <a:effectRef idx="0">
-            <a:schemeClr val="accent1"/>
-          </a:effectRef>
-          <a:fontRef idx="minor">
-            <a:schemeClr val="lt1"/>
-          </a:fontRef>
-        </p:style>
-        <p:txBody>
-          <a:bodyPr rtlCol="0" anchor="ctr"/>
-          <a:lstStyle/>
-          <a:p>
-            <a:pPr algn="ctr"/>
-            <a:endParaRPr lang="en-US"/>
-          </a:p>
-        </p:txBody>
-      </p:sp>
-      <p:sp>
-        <p:nvSpPr>
-          <p:cNvPr id="7" name="TextBox 6"/>
-          <p:cNvSpPr txBox="1"/>
-          <p:nvPr/>
-        </p:nvSpPr>
-        <p:spPr>
-          <a:xfrm>
-            <a:off x="0" y="5804209"/>
-            <a:ext cx="12192000" cy="830997"/>
-          </a:xfrm>
-          <a:prstGeom prst="rect">
-            <a:avLst/>
-          </a:prstGeom>
-          <a:noFill/>
-        </p:spPr>
-        <p:txBody>
-          <a:bodyPr wrap="square" rtlCol="0" anchor="ctr">
-            <a:spAutoFit/>
-          </a:bodyPr>
-          <a:lstStyle/>
-          <a:p>
-            <a:pPr algn="ctr"/>
-            <a:r>
-              <a:rPr lang="en-US" sz="4800" dirty="0">
-                <a:solidFill>
-                  <a:schemeClr val="bg1"/>
-                </a:solidFill>
-              </a:rPr>
-              <a:t>“Onward, Christian Soldiers!”</a:t>
-            </a:r>
-          </a:p>
-        </p:txBody>
-      </p:sp>
-      <p:sp>
-        <p:nvSpPr>
-          <p:cNvPr id="8" name="TextBox 7"/>
-          <p:cNvSpPr txBox="1"/>
-          <p:nvPr/>
-        </p:nvSpPr>
-        <p:spPr>
-          <a:xfrm>
-            <a:off x="0" y="1581864"/>
-            <a:ext cx="12192000" cy="2308324"/>
-          </a:xfrm>
-          <a:prstGeom prst="rect">
-            <a:avLst/>
-          </a:prstGeom>
-          <a:noFill/>
-        </p:spPr>
-        <p:txBody>
-          <a:bodyPr wrap="square" rtlCol="0">
-            <a:spAutoFit/>
-          </a:bodyPr>
-          <a:lstStyle/>
-          <a:p>
-            <a:pPr algn="ctr"/>
-            <a:r>
-              <a:rPr lang="en-US" sz="3600" dirty="0">
-                <a:solidFill>
-                  <a:schemeClr val="bg1"/>
-                </a:solidFill>
-              </a:rPr>
-              <a:t>Onward, Christian soldiers!</a:t>
-            </a:r>
-          </a:p>
-          <a:p>
-            <a:pPr algn="ctr"/>
-            <a:r>
-              <a:rPr lang="en-US" sz="3600" dirty="0">
-                <a:solidFill>
-                  <a:schemeClr val="bg1"/>
-                </a:solidFill>
-              </a:rPr>
-              <a:t>Marching as to war,</a:t>
-            </a:r>
-          </a:p>
-          <a:p>
-            <a:pPr algn="ctr"/>
-            <a:r>
-              <a:rPr lang="en-US" sz="3600" dirty="0">
-                <a:solidFill>
-                  <a:schemeClr val="bg1"/>
-                </a:solidFill>
-              </a:rPr>
-              <a:t>With the cross of Jesus</a:t>
-            </a:r>
-          </a:p>
-          <a:p>
-            <a:pPr algn="ctr"/>
-            <a:r>
-              <a:rPr lang="en-US" sz="3600" dirty="0">
-                <a:solidFill>
-                  <a:schemeClr val="bg1"/>
-                </a:solidFill>
-              </a:rPr>
-              <a:t>Going on before.</a:t>
-            </a:r>
-          </a:p>
-        </p:txBody>
-      </p:sp>
-    </p:spTree>
-    <p:extLst>
-      <p:ext uri="{BB962C8B-B14F-4D97-AF65-F5344CB8AC3E}">
-        <p14:creationId xmlns:p14="http://schemas.microsoft.com/office/powerpoint/2010/main" val="555929084"/>
-      </p:ext>
-    </p:extLst>
-  </p:cSld>
-  <p:clrMapOvr>
-    <a:masterClrMapping/>
-  </p:clrMapOvr>
-</p:sld>
-</file>
-
-<file path=ppt/slides/slide7.xml><?xml version="1.0" encoding="utf-8"?>
-<p:sld xmlns:a="http://schemas.openxmlformats.org/drawingml/2006/main" xmlns:r="http://schemas.openxmlformats.org/officeDocument/2006/relationships" xmlns:p="http://schemas.openxmlformats.org/presentationml/2006/main">
-  <p:cSld>
-    <p:spTree>
-      <p:nvGrpSpPr>
-        <p:cNvPr id="1" name=""/>
-        <p:cNvGrpSpPr/>
-        <p:nvPr/>
-      </p:nvGrpSpPr>
-      <p:grpSpPr>
-        <a:xfrm>
-          <a:off x="0" y="0"/>
-          <a:ext cx="0" cy="0"/>
-          <a:chOff x="0" y="0"/>
-          <a:chExt cx="0" cy="0"/>
-        </a:xfrm>
-      </p:grpSpPr>
-      <p:sp>
-        <p:nvSpPr>
-          <p:cNvPr id="4" name="Rectangle 3"/>
-          <p:cNvSpPr/>
-          <p:nvPr/>
-        </p:nvSpPr>
-        <p:spPr>
-          <a:xfrm>
-            <a:off x="0" y="5444197"/>
-            <a:ext cx="12192000" cy="1413803"/>
-          </a:xfrm>
-          <a:prstGeom prst="rect">
-            <a:avLst/>
-          </a:prstGeom>
-          <a:gradFill flip="none" rotWithShape="1">
-            <a:gsLst>
-              <a:gs pos="0">
-                <a:srgbClr val="998675">
-                  <a:alpha val="0"/>
-                </a:srgbClr>
-              </a:gs>
-              <a:gs pos="100000">
-                <a:srgbClr val="998675"/>
-              </a:gs>
-            </a:gsLst>
-            <a:lin ang="5400000" scaled="1"/>
-            <a:tileRect/>
-          </a:gradFill>
-          <a:ln>
-            <a:noFill/>
-          </a:ln>
-        </p:spPr>
-        <p:style>
-          <a:lnRef idx="2">
-            <a:schemeClr val="accent1">
-              <a:shade val="50000"/>
-            </a:schemeClr>
-          </a:lnRef>
-          <a:fillRef idx="1">
-            <a:schemeClr val="accent1"/>
-          </a:fillRef>
-          <a:effectRef idx="0">
-            <a:schemeClr val="accent1"/>
-          </a:effectRef>
-          <a:fontRef idx="minor">
-            <a:schemeClr val="lt1"/>
-          </a:fontRef>
-        </p:style>
-        <p:txBody>
-          <a:bodyPr rtlCol="0" anchor="ctr"/>
-          <a:lstStyle/>
-          <a:p>
-            <a:pPr algn="ctr"/>
-            <a:endParaRPr lang="en-US"/>
-          </a:p>
-        </p:txBody>
-      </p:sp>
-      <p:sp>
-        <p:nvSpPr>
-          <p:cNvPr id="7" name="TextBox 6"/>
-          <p:cNvSpPr txBox="1"/>
-          <p:nvPr/>
-        </p:nvSpPr>
-        <p:spPr>
-          <a:xfrm>
-            <a:off x="0" y="5804209"/>
-            <a:ext cx="12192000" cy="830997"/>
-          </a:xfrm>
-          <a:prstGeom prst="rect">
-            <a:avLst/>
-          </a:prstGeom>
-          <a:noFill/>
-        </p:spPr>
-        <p:txBody>
-          <a:bodyPr wrap="square" rtlCol="0" anchor="ctr">
-            <a:spAutoFit/>
-          </a:bodyPr>
-          <a:lstStyle/>
-          <a:p>
-            <a:pPr algn="ctr"/>
-            <a:r>
-              <a:rPr lang="en-US" sz="4800" dirty="0">
-                <a:solidFill>
-                  <a:schemeClr val="bg1"/>
-                </a:solidFill>
-              </a:rPr>
-              <a:t>“Onward, Christian Soldiers!”</a:t>
-            </a:r>
-          </a:p>
-        </p:txBody>
-      </p:sp>
-      <p:sp>
-        <p:nvSpPr>
-          <p:cNvPr id="8" name="TextBox 7"/>
-          <p:cNvSpPr txBox="1"/>
-          <p:nvPr/>
-        </p:nvSpPr>
-        <p:spPr>
-          <a:xfrm>
-            <a:off x="0" y="248013"/>
-            <a:ext cx="12192000" cy="5078313"/>
-          </a:xfrm>
-          <a:prstGeom prst="rect">
-            <a:avLst/>
-          </a:prstGeom>
-          <a:noFill/>
-        </p:spPr>
-        <p:txBody>
-          <a:bodyPr wrap="square" rtlCol="0">
-            <a:spAutoFit/>
-          </a:bodyPr>
-          <a:lstStyle/>
-          <a:p>
-            <a:pPr algn="ctr"/>
-            <a:r>
-              <a:rPr lang="en-US" sz="3600" dirty="0">
-                <a:solidFill>
-                  <a:schemeClr val="bg1"/>
-                </a:solidFill>
-              </a:rPr>
-              <a:t>Onward then, ye people!</a:t>
-            </a:r>
-          </a:p>
-          <a:p>
-            <a:pPr algn="ctr"/>
-            <a:r>
-              <a:rPr lang="en-US" sz="3600" dirty="0">
-                <a:solidFill>
-                  <a:schemeClr val="bg1"/>
-                </a:solidFill>
-              </a:rPr>
-              <a:t>Join our happy throng;</a:t>
-            </a:r>
-          </a:p>
-          <a:p>
-            <a:pPr algn="ctr"/>
-            <a:r>
-              <a:rPr lang="en-US" sz="3600" dirty="0">
-                <a:solidFill>
-                  <a:schemeClr val="bg1"/>
-                </a:solidFill>
-              </a:rPr>
-              <a:t>Blend with ours your voices</a:t>
-            </a:r>
-          </a:p>
-          <a:p>
-            <a:pPr algn="ctr"/>
-            <a:r>
-              <a:rPr lang="en-US" sz="3600" dirty="0">
-                <a:solidFill>
-                  <a:schemeClr val="bg1"/>
-                </a:solidFill>
-              </a:rPr>
-              <a:t>In the triumph song;</a:t>
-            </a:r>
-          </a:p>
-          <a:p>
-            <a:pPr algn="ctr"/>
-            <a:endParaRPr lang="en-US" sz="3600" dirty="0">
-              <a:solidFill>
-                <a:schemeClr val="bg1"/>
-              </a:solidFill>
-            </a:endParaRPr>
-          </a:p>
-          <a:p>
-            <a:pPr algn="ctr"/>
-            <a:r>
-              <a:rPr lang="en-US" sz="3600" dirty="0">
-                <a:solidFill>
-                  <a:schemeClr val="bg1"/>
-                </a:solidFill>
-              </a:rPr>
-              <a:t>Glory, laud, and honor</a:t>
-            </a:r>
-          </a:p>
-          <a:p>
-            <a:pPr algn="ctr"/>
-            <a:r>
-              <a:rPr lang="en-US" sz="3600" dirty="0">
-                <a:solidFill>
-                  <a:schemeClr val="bg1"/>
-                </a:solidFill>
-              </a:rPr>
-              <a:t>Unto Christ, </a:t>
-            </a:r>
-            <a:r>
-              <a:rPr lang="en-US" sz="3600">
-                <a:solidFill>
-                  <a:schemeClr val="bg1"/>
-                </a:solidFill>
-              </a:rPr>
-              <a:t>the King—</a:t>
-            </a:r>
-          </a:p>
-          <a:p>
-            <a:pPr algn="ctr"/>
-            <a:r>
-              <a:rPr lang="en-US" sz="3600">
-                <a:solidFill>
-                  <a:schemeClr val="bg1"/>
-                </a:solidFill>
-              </a:rPr>
-              <a:t>This </a:t>
-            </a:r>
-            <a:r>
-              <a:rPr lang="en-US" sz="3600" dirty="0">
-                <a:solidFill>
-                  <a:schemeClr val="bg1"/>
-                </a:solidFill>
-              </a:rPr>
-              <a:t>through countless ages</a:t>
-            </a:r>
-          </a:p>
-          <a:p>
-            <a:pPr algn="ctr"/>
-            <a:r>
-              <a:rPr lang="en-US" sz="3600" dirty="0">
-                <a:solidFill>
-                  <a:schemeClr val="bg1"/>
-                </a:solidFill>
-              </a:rPr>
-              <a:t>Men and angels sing.</a:t>
-            </a:r>
           </a:p>
         </p:txBody>
       </p:sp>
@@ -4476,194 +3906,6 @@
     <p:extLst>
       <p:ext uri="{BB962C8B-B14F-4D97-AF65-F5344CB8AC3E}">
         <p14:creationId xmlns:p14="http://schemas.microsoft.com/office/powerpoint/2010/main" val="350598544"/>
-      </p:ext>
-    </p:extLst>
-  </p:cSld>
-  <p:clrMapOvr>
-    <a:masterClrMapping/>
-  </p:clrMapOvr>
-</p:sld>
-</file>
-
-<file path=ppt/slides/slide8.xml><?xml version="1.0" encoding="utf-8"?>
-<p:sld xmlns:a="http://schemas.openxmlformats.org/drawingml/2006/main" xmlns:r="http://schemas.openxmlformats.org/officeDocument/2006/relationships" xmlns:p="http://schemas.openxmlformats.org/presentationml/2006/main">
-  <p:cSld>
-    <p:spTree>
-      <p:nvGrpSpPr>
-        <p:cNvPr id="1" name=""/>
-        <p:cNvGrpSpPr/>
-        <p:nvPr/>
-      </p:nvGrpSpPr>
-      <p:grpSpPr>
-        <a:xfrm>
-          <a:off x="0" y="0"/>
-          <a:ext cx="0" cy="0"/>
-          <a:chOff x="0" y="0"/>
-          <a:chExt cx="0" cy="0"/>
-        </a:xfrm>
-      </p:grpSpPr>
-      <p:sp>
-        <p:nvSpPr>
-          <p:cNvPr id="4" name="Rectangle 3"/>
-          <p:cNvSpPr/>
-          <p:nvPr/>
-        </p:nvSpPr>
-        <p:spPr>
-          <a:xfrm>
-            <a:off x="0" y="5444197"/>
-            <a:ext cx="12192000" cy="1413803"/>
-          </a:xfrm>
-          <a:prstGeom prst="rect">
-            <a:avLst/>
-          </a:prstGeom>
-          <a:gradFill flip="none" rotWithShape="1">
-            <a:gsLst>
-              <a:gs pos="0">
-                <a:srgbClr val="998675">
-                  <a:alpha val="0"/>
-                </a:srgbClr>
-              </a:gs>
-              <a:gs pos="100000">
-                <a:srgbClr val="998675"/>
-              </a:gs>
-            </a:gsLst>
-            <a:lin ang="5400000" scaled="1"/>
-            <a:tileRect/>
-          </a:gradFill>
-          <a:ln>
-            <a:noFill/>
-          </a:ln>
-        </p:spPr>
-        <p:style>
-          <a:lnRef idx="2">
-            <a:schemeClr val="accent1">
-              <a:shade val="50000"/>
-            </a:schemeClr>
-          </a:lnRef>
-          <a:fillRef idx="1">
-            <a:schemeClr val="accent1"/>
-          </a:fillRef>
-          <a:effectRef idx="0">
-            <a:schemeClr val="accent1"/>
-          </a:effectRef>
-          <a:fontRef idx="minor">
-            <a:schemeClr val="lt1"/>
-          </a:fontRef>
-        </p:style>
-        <p:txBody>
-          <a:bodyPr rtlCol="0" anchor="ctr"/>
-          <a:lstStyle/>
-          <a:p>
-            <a:pPr algn="ctr"/>
-            <a:endParaRPr lang="en-US"/>
-          </a:p>
-        </p:txBody>
-      </p:sp>
-      <p:sp>
-        <p:nvSpPr>
-          <p:cNvPr id="7" name="TextBox 6"/>
-          <p:cNvSpPr txBox="1"/>
-          <p:nvPr/>
-        </p:nvSpPr>
-        <p:spPr>
-          <a:xfrm>
-            <a:off x="0" y="5804209"/>
-            <a:ext cx="12192000" cy="830997"/>
-          </a:xfrm>
-          <a:prstGeom prst="rect">
-            <a:avLst/>
-          </a:prstGeom>
-          <a:noFill/>
-        </p:spPr>
-        <p:txBody>
-          <a:bodyPr wrap="square" rtlCol="0" anchor="ctr">
-            <a:spAutoFit/>
-          </a:bodyPr>
-          <a:lstStyle/>
-          <a:p>
-            <a:pPr algn="ctr"/>
-            <a:r>
-              <a:rPr lang="en-US" sz="4800" dirty="0">
-                <a:solidFill>
-                  <a:schemeClr val="bg1"/>
-                </a:solidFill>
-              </a:rPr>
-              <a:t>“Onward, Christian Soldiers!”</a:t>
-            </a:r>
-          </a:p>
-        </p:txBody>
-      </p:sp>
-      <p:sp>
-        <p:nvSpPr>
-          <p:cNvPr id="8" name="TextBox 7"/>
-          <p:cNvSpPr txBox="1"/>
-          <p:nvPr/>
-        </p:nvSpPr>
-        <p:spPr>
-          <a:xfrm>
-            <a:off x="0" y="1581864"/>
-            <a:ext cx="12192000" cy="2308324"/>
-          </a:xfrm>
-          <a:prstGeom prst="rect">
-            <a:avLst/>
-          </a:prstGeom>
-          <a:noFill/>
-        </p:spPr>
-        <p:txBody>
-          <a:bodyPr wrap="square" rtlCol="0">
-            <a:spAutoFit/>
-          </a:bodyPr>
-          <a:lstStyle/>
-          <a:p>
-            <a:pPr algn="ctr"/>
-            <a:r>
-              <a:rPr lang="en-US" sz="3600" dirty="0">
-                <a:solidFill>
-                  <a:schemeClr val="bg1"/>
-                </a:solidFill>
-              </a:rPr>
-              <a:t>Onward, Christian soldiers!</a:t>
-            </a:r>
-          </a:p>
-          <a:p>
-            <a:pPr algn="ctr"/>
-            <a:r>
-              <a:rPr lang="en-US" sz="3600" dirty="0">
-                <a:solidFill>
-                  <a:schemeClr val="bg1"/>
-                </a:solidFill>
-              </a:rPr>
-              <a:t>Marching as to war,</a:t>
-            </a:r>
-          </a:p>
-          <a:p>
-            <a:pPr algn="ctr"/>
-            <a:r>
-              <a:rPr lang="en-US" sz="3600" dirty="0">
-                <a:solidFill>
-                  <a:schemeClr val="bg1"/>
-                </a:solidFill>
-              </a:rPr>
-              <a:t>With the cross of Jesus</a:t>
-            </a:r>
-          </a:p>
-          <a:p>
-            <a:pPr algn="ctr"/>
-            <a:r>
-              <a:rPr lang="en-US" sz="3600" dirty="0">
-                <a:solidFill>
-                  <a:schemeClr val="bg1"/>
-                </a:solidFill>
-              </a:rPr>
-              <a:t>Going on before.</a:t>
-            </a:r>
-          </a:p>
-        </p:txBody>
-      </p:sp>
-    </p:spTree>
-    <p:extLst>
-      <p:ext uri="{BB962C8B-B14F-4D97-AF65-F5344CB8AC3E}">
-        <p14:creationId xmlns:p14="http://schemas.microsoft.com/office/powerpoint/2010/main" val="3170072908"/>
       </p:ext>
     </p:extLst>
   </p:cSld>
